--- a/Material Teorico/Clase_05_CSS_Inicial_Fuentes_Tipografias_Colores_Iconos/5. CSS Inicial - Fuente, tipografías, colores, iconos_.pptx
+++ b/Material Teorico/Clase_05_CSS_Inicial_Fuentes_Tipografias_Colores_Iconos/5. CSS Inicial - Fuente, tipografías, colores, iconos_.pptx
@@ -2,83 +2,83 @@
 <file path=ppt/presentation.xml><?xml version="1.0" encoding="utf-8"?>
 <p:presentation xmlns:a="http://schemas.openxmlformats.org/drawingml/2006/main" xmlns:r="http://schemas.openxmlformats.org/officeDocument/2006/relationships" xmlns:mc="http://schemas.openxmlformats.org/markup-compatibility/2006" xmlns:mv="urn:schemas-microsoft-com:mac:vml" xmlns:p="http://schemas.openxmlformats.org/presentationml/2006/main" xmlns:c="http://schemas.openxmlformats.org/drawingml/2006/chart" xmlns:dgm="http://schemas.openxmlformats.org/drawingml/2006/diagram" xmlns:o="urn:schemas-microsoft-com:office:office" xmlns:v="urn:schemas-microsoft-com:vml" xmlns:pvml="urn:schemas-microsoft-com:office:powerpoint" xmlns:com="http://schemas.openxmlformats.org/drawingml/2006/compatibility" xmlns:p14="http://schemas.microsoft.com/office/powerpoint/2010/main" xmlns:p15="http://schemas.microsoft.com/office/powerpoint/2012/main" xmlns:ahyp="http://schemas.microsoft.com/office/drawing/2018/hyperlinkcolor" autoCompressPictures="0" embedTrueTypeFonts="1" strictFirstAndLastChars="0" saveSubsetFonts="1">
   <p:sldMasterIdLst>
-    <p:sldMasterId id="2147483662" r:id="rId5"/>
+    <p:sldMasterId id="2147483662" r:id="rId4"/>
   </p:sldMasterIdLst>
   <p:notesMasterIdLst>
-    <p:notesMasterId r:id="rId6"/>
+    <p:notesMasterId r:id="rId5"/>
   </p:notesMasterIdLst>
   <p:sldIdLst>
-    <p:sldId id="256" r:id="rId7"/>
-    <p:sldId id="257" r:id="rId8"/>
-    <p:sldId id="258" r:id="rId9"/>
-    <p:sldId id="259" r:id="rId10"/>
-    <p:sldId id="260" r:id="rId11"/>
-    <p:sldId id="261" r:id="rId12"/>
-    <p:sldId id="262" r:id="rId13"/>
-    <p:sldId id="263" r:id="rId14"/>
-    <p:sldId id="264" r:id="rId15"/>
-    <p:sldId id="265" r:id="rId16"/>
-    <p:sldId id="266" r:id="rId17"/>
-    <p:sldId id="267" r:id="rId18"/>
-    <p:sldId id="268" r:id="rId19"/>
-    <p:sldId id="269" r:id="rId20"/>
-    <p:sldId id="270" r:id="rId21"/>
-    <p:sldId id="271" r:id="rId22"/>
-    <p:sldId id="272" r:id="rId23"/>
-    <p:sldId id="273" r:id="rId24"/>
+    <p:sldId id="256" r:id="rId6"/>
+    <p:sldId id="257" r:id="rId7"/>
+    <p:sldId id="258" r:id="rId8"/>
+    <p:sldId id="259" r:id="rId9"/>
+    <p:sldId id="260" r:id="rId10"/>
+    <p:sldId id="261" r:id="rId11"/>
+    <p:sldId id="262" r:id="rId12"/>
+    <p:sldId id="263" r:id="rId13"/>
+    <p:sldId id="264" r:id="rId14"/>
+    <p:sldId id="265" r:id="rId15"/>
+    <p:sldId id="266" r:id="rId16"/>
+    <p:sldId id="267" r:id="rId17"/>
+    <p:sldId id="268" r:id="rId18"/>
+    <p:sldId id="269" r:id="rId19"/>
+    <p:sldId id="270" r:id="rId20"/>
+    <p:sldId id="271" r:id="rId21"/>
+    <p:sldId id="272" r:id="rId22"/>
+    <p:sldId id="273" r:id="rId23"/>
   </p:sldIdLst>
   <p:sldSz cy="5143500" cx="9144000"/>
   <p:notesSz cx="6858000" cy="9144000"/>
   <p:embeddedFontLst>
     <p:embeddedFont>
       <p:font typeface="Montserrat SemiBold"/>
-      <p:regular r:id="rId25"/>
-      <p:bold r:id="rId26"/>
-      <p:italic r:id="rId27"/>
-      <p:boldItalic r:id="rId28"/>
+      <p:regular r:id="rId24"/>
+      <p:bold r:id="rId25"/>
+      <p:italic r:id="rId26"/>
+      <p:boldItalic r:id="rId27"/>
     </p:embeddedFont>
     <p:embeddedFont>
       <p:font typeface="Bangers"/>
-      <p:regular r:id="rId29"/>
+      <p:regular r:id="rId28"/>
     </p:embeddedFont>
     <p:embeddedFont>
       <p:font typeface="Nunito"/>
-      <p:regular r:id="rId30"/>
-      <p:bold r:id="rId31"/>
-      <p:italic r:id="rId32"/>
-      <p:boldItalic r:id="rId33"/>
+      <p:regular r:id="rId29"/>
+      <p:bold r:id="rId30"/>
+      <p:italic r:id="rId31"/>
+      <p:boldItalic r:id="rId32"/>
     </p:embeddedFont>
     <p:embeddedFont>
       <p:font typeface="Montserrat"/>
-      <p:regular r:id="rId34"/>
-      <p:bold r:id="rId35"/>
-      <p:italic r:id="rId36"/>
-      <p:boldItalic r:id="rId37"/>
+      <p:regular r:id="rId33"/>
+      <p:bold r:id="rId34"/>
+      <p:italic r:id="rId35"/>
+      <p:boldItalic r:id="rId36"/>
     </p:embeddedFont>
     <p:embeddedFont>
       <p:font typeface="Montserrat Medium"/>
-      <p:regular r:id="rId38"/>
-      <p:bold r:id="rId39"/>
-      <p:italic r:id="rId40"/>
-      <p:boldItalic r:id="rId41"/>
+      <p:regular r:id="rId37"/>
+      <p:bold r:id="rId38"/>
+      <p:italic r:id="rId39"/>
+      <p:boldItalic r:id="rId40"/>
     </p:embeddedFont>
     <p:embeddedFont>
       <p:font typeface="Lora"/>
-      <p:regular r:id="rId42"/>
-      <p:bold r:id="rId43"/>
-      <p:italic r:id="rId44"/>
-      <p:boldItalic r:id="rId45"/>
+      <p:regular r:id="rId41"/>
+      <p:bold r:id="rId42"/>
+      <p:italic r:id="rId43"/>
+      <p:boldItalic r:id="rId44"/>
     </p:embeddedFont>
     <p:embeddedFont>
       <p:font typeface="Pacifico"/>
-      <p:regular r:id="rId46"/>
+      <p:regular r:id="rId45"/>
     </p:embeddedFont>
     <p:embeddedFont>
       <p:font typeface="Roboto Mono"/>
-      <p:regular r:id="rId47"/>
-      <p:bold r:id="rId48"/>
-      <p:italic r:id="rId49"/>
-      <p:boldItalic r:id="rId50"/>
+      <p:regular r:id="rId46"/>
+      <p:bold r:id="rId47"/>
+      <p:italic r:id="rId48"/>
+      <p:boldItalic r:id="rId49"/>
     </p:embeddedFont>
   </p:embeddedFontLst>
   <p:defaultTextStyle>
@@ -327,21 +327,6 @@
     </p:ext>
   </p:extLst>
 </p:presentation>
-</file>
-
-<file path=ppt/commentAuthors.xml><?xml version="1.0" encoding="utf-8"?>
-<p:cmAuthorLst xmlns:a="http://schemas.openxmlformats.org/drawingml/2006/main" xmlns:r="http://schemas.openxmlformats.org/officeDocument/2006/relationships" xmlns:mc="http://schemas.openxmlformats.org/markup-compatibility/2006" xmlns:mv="urn:schemas-microsoft-com:mac:vml" xmlns:p="http://schemas.openxmlformats.org/presentationml/2006/main" xmlns:c="http://schemas.openxmlformats.org/drawingml/2006/chart" xmlns:dgm="http://schemas.openxmlformats.org/drawingml/2006/diagram" xmlns:o="urn:schemas-microsoft-com:office:office" xmlns:v="urn:schemas-microsoft-com:vml" xmlns:pvml="urn:schemas-microsoft-com:office:powerpoint" xmlns:com="http://schemas.openxmlformats.org/drawingml/2006/compatibility" xmlns:p14="http://schemas.microsoft.com/office/powerpoint/2010/main" xmlns:p15="http://schemas.microsoft.com/office/powerpoint/2012/main" xmlns:ahyp="http://schemas.microsoft.com/office/drawing/2018/hyperlinkcolor">
-  <p:cmAuthor clrIdx="0" id="0" initials="" lastIdx="1" name="Santiago Acosta Verrier"/>
-</p:cmAuthorLst>
-</file>
-
-<file path=ppt/comments/comment1.xml><?xml version="1.0" encoding="utf-8"?>
-<p:cmLst xmlns:a="http://schemas.openxmlformats.org/drawingml/2006/main" xmlns:r="http://schemas.openxmlformats.org/officeDocument/2006/relationships" xmlns:mc="http://schemas.openxmlformats.org/markup-compatibility/2006" xmlns:mv="urn:schemas-microsoft-com:mac:vml" xmlns:p="http://schemas.openxmlformats.org/presentationml/2006/main" xmlns:c="http://schemas.openxmlformats.org/drawingml/2006/chart" xmlns:dgm="http://schemas.openxmlformats.org/drawingml/2006/diagram" xmlns:o="urn:schemas-microsoft-com:office:office" xmlns:v="urn:schemas-microsoft-com:vml" xmlns:pvml="urn:schemas-microsoft-com:office:powerpoint" xmlns:com="http://schemas.openxmlformats.org/drawingml/2006/compatibility" xmlns:p14="http://schemas.microsoft.com/office/powerpoint/2010/main" xmlns:p15="http://schemas.microsoft.com/office/powerpoint/2012/main" xmlns:ahyp="http://schemas.microsoft.com/office/drawing/2018/hyperlinkcolor">
-  <p:cm authorId="0" idx="1" dt="2023-03-19T14:31:28.267">
-    <p:pos x="6000" y="0"/>
-    <p:text>Haría mención en alguna dispositiva sobre las fuentes seguras. https://www.w3schools.com/cssref/css_websafe_fonts.php</p:text>
-  </p:cm>
-</p:cmLst>
 </file>
 
 <file path=ppt/notesMasters/notesMaster1.xml><?xml version="1.0" encoding="utf-8"?>
@@ -15034,14 +15019,14 @@
             <a:r>
               <a:rPr b="1" lang="es">
                 <a:solidFill>
-                  <a:srgbClr val="F9F9F9"/>
+                  <a:srgbClr val="595959"/>
                 </a:solidFill>
               </a:rPr>
               <a:t>CSS Inicial</a:t>
             </a:r>
             <a:endParaRPr b="1">
               <a:solidFill>
-                <a:srgbClr val="F9F9F9"/>
+                <a:srgbClr val="595959"/>
               </a:solidFill>
             </a:endParaRPr>
           </a:p>
@@ -15063,37 +15048,9 @@
             <a:r>
               <a:t/>
             </a:r>
-            <a:endParaRPr/>
-          </a:p>
-          <a:p>
-            <a:pPr indent="0" lvl="0" marL="0" rtl="0" algn="l">
-              <a:lnSpc>
-                <a:spcPct val="150000"/>
-              </a:lnSpc>
-              <a:spcBef>
-                <a:spcPts val="0"/>
-              </a:spcBef>
-              <a:spcAft>
-                <a:spcPts val="0"/>
-              </a:spcAft>
-              <a:buClr>
-                <a:schemeClr val="dk1"/>
-              </a:buClr>
-              <a:buSzPts val="1100"/>
-              <a:buFont typeface="Arial"/>
-              <a:buNone/>
-            </a:pPr>
-            <a:r>
-              <a:rPr b="1" lang="es">
-                <a:solidFill>
-                  <a:srgbClr val="F9F9F9"/>
-                </a:solidFill>
-              </a:rPr>
-              <a:t>      Fuentes y Tipografías</a:t>
-            </a:r>
-            <a:endParaRPr b="1">
+            <a:endParaRPr>
               <a:solidFill>
-                <a:srgbClr val="F9F9F9"/>
+                <a:srgbClr val="595959"/>
               </a:solidFill>
             </a:endParaRPr>
           </a:p>
@@ -15118,14 +15075,14 @@
             <a:r>
               <a:rPr b="1" lang="es">
                 <a:solidFill>
-                  <a:srgbClr val="F9F9F9"/>
+                  <a:srgbClr val="595959"/>
                 </a:solidFill>
               </a:rPr>
-              <a:t>      Colores</a:t>
+              <a:t>      Fuentes y Tipografías</a:t>
             </a:r>
             <a:endParaRPr b="1">
               <a:solidFill>
-                <a:srgbClr val="F9F9F9"/>
+                <a:srgbClr val="595959"/>
               </a:solidFill>
             </a:endParaRPr>
           </a:p>
@@ -15150,14 +15107,46 @@
             <a:r>
               <a:rPr b="1" lang="es">
                 <a:solidFill>
-                  <a:srgbClr val="F9F9F9"/>
+                  <a:srgbClr val="595959"/>
+                </a:solidFill>
+              </a:rPr>
+              <a:t>      Colores</a:t>
+            </a:r>
+            <a:endParaRPr b="1">
+              <a:solidFill>
+                <a:srgbClr val="595959"/>
+              </a:solidFill>
+            </a:endParaRPr>
+          </a:p>
+          <a:p>
+            <a:pPr indent="0" lvl="0" marL="0" rtl="0" algn="l">
+              <a:lnSpc>
+                <a:spcPct val="150000"/>
+              </a:lnSpc>
+              <a:spcBef>
+                <a:spcPts val="0"/>
+              </a:spcBef>
+              <a:spcAft>
+                <a:spcPts val="0"/>
+              </a:spcAft>
+              <a:buClr>
+                <a:schemeClr val="dk1"/>
+              </a:buClr>
+              <a:buSzPts val="1100"/>
+              <a:buFont typeface="Arial"/>
+              <a:buNone/>
+            </a:pPr>
+            <a:r>
+              <a:rPr b="1" lang="es">
+                <a:solidFill>
+                  <a:srgbClr val="595959"/>
                 </a:solidFill>
               </a:rPr>
               <a:t>      Iconos</a:t>
             </a:r>
             <a:endParaRPr b="1">
               <a:solidFill>
-                <a:srgbClr val="F9F9F9"/>
+                <a:srgbClr val="595959"/>
               </a:solidFill>
             </a:endParaRPr>
           </a:p>
@@ -17497,7 +17486,7 @@
           <p:nvPr/>
         </p:nvPicPr>
         <p:blipFill>
-          <a:blip r:embed="rId4">
+          <a:blip r:embed="rId3">
             <a:alphaModFix/>
           </a:blip>
           <a:stretch>
